--- a/fase1_apresentação.pptx
+++ b/fase1_apresentação.pptx
@@ -7479,7 +7479,7 @@
         <p:spPr>
           <a:xfrm>
             <a:off x="9780431" y="3871367"/>
-            <a:ext cx="3364800" cy="307777"/>
+            <a:ext cx="3862998" cy="615553"/>
           </a:xfrm>
           <a:prstGeom prst="rect">
             <a:avLst/>
@@ -7517,7 +7517,55 @@
                 <a:cs typeface="Montserrat"/>
                 <a:sym typeface="Montserrat"/>
               </a:rPr>
-              <a:t>Blablabla</a:t>
+              <a:t>Alunos</a:t>
+            </a:r>
+            <a:r>
+              <a:rPr lang="en-US" sz="2000" dirty="0">
+                <a:solidFill>
+                  <a:srgbClr val="0F3C5D"/>
+                </a:solidFill>
+                <a:latin typeface="Montserrat"/>
+                <a:ea typeface="Montserrat"/>
+                <a:cs typeface="Montserrat"/>
+                <a:sym typeface="Montserrat"/>
+              </a:rPr>
+              <a:t> de duas </a:t>
+            </a:r>
+            <a:r>
+              <a:rPr lang="en-US" sz="2000" dirty="0" err="1">
+                <a:solidFill>
+                  <a:srgbClr val="0F3C5D"/>
+                </a:solidFill>
+                <a:latin typeface="Montserrat"/>
+                <a:ea typeface="Montserrat"/>
+                <a:cs typeface="Montserrat"/>
+                <a:sym typeface="Montserrat"/>
+              </a:rPr>
+              <a:t>escolas</a:t>
+            </a:r>
+            <a:r>
+              <a:rPr lang="en-US" sz="2000" dirty="0">
+                <a:solidFill>
+                  <a:srgbClr val="0F3C5D"/>
+                </a:solidFill>
+                <a:latin typeface="Montserrat"/>
+                <a:ea typeface="Montserrat"/>
+                <a:cs typeface="Montserrat"/>
+                <a:sym typeface="Montserrat"/>
+              </a:rPr>
+              <a:t> </a:t>
+            </a:r>
+            <a:r>
+              <a:rPr lang="en-US" sz="2000" dirty="0" err="1">
+                <a:solidFill>
+                  <a:srgbClr val="0F3C5D"/>
+                </a:solidFill>
+                <a:latin typeface="Montserrat"/>
+                <a:ea typeface="Montserrat"/>
+                <a:cs typeface="Montserrat"/>
+                <a:sym typeface="Montserrat"/>
+              </a:rPr>
+              <a:t>diferentes</a:t>
             </a:r>
             <a:r>
               <a:rPr lang="en-US" sz="2000" b="0" i="0" u="none" strike="noStrike" cap="none" dirty="0">
@@ -7751,7 +7799,7 @@
               <a:buNone/>
             </a:pPr>
             <a:r>
-              <a:rPr lang="en-US" sz="2000" b="0" i="0" u="none" strike="noStrike" cap="none" dirty="0" err="1">
+              <a:rPr lang="en-US" sz="2000" dirty="0">
                 <a:solidFill>
                   <a:srgbClr val="0F3C5D"/>
                 </a:solidFill>
@@ -7760,10 +7808,10 @@
                 <a:cs typeface="Montserrat"/>
                 <a:sym typeface="Montserrat"/>
               </a:rPr>
-              <a:t>Blablabla</a:t>
+              <a:t>395 </a:t>
             </a:r>
             <a:r>
-              <a:rPr lang="en-US" sz="2000" b="0" i="0" u="none" strike="noStrike" cap="none" dirty="0">
+              <a:rPr lang="en-US" sz="2000" dirty="0" err="1">
                 <a:solidFill>
                   <a:srgbClr val="0F3C5D"/>
                 </a:solidFill>
@@ -7772,10 +7820,10 @@
                 <a:cs typeface="Montserrat"/>
                 <a:sym typeface="Montserrat"/>
               </a:rPr>
-              <a:t>. (649 </a:t>
+              <a:t>alunos</a:t>
             </a:r>
             <a:r>
-              <a:rPr lang="en-US" sz="2000" b="0" i="0" u="none" strike="noStrike" cap="none" dirty="0" err="1">
+              <a:rPr lang="en-US" sz="2000" dirty="0">
                 <a:solidFill>
                   <a:srgbClr val="0F3C5D"/>
                 </a:solidFill>
@@ -7784,7 +7832,7 @@
                 <a:cs typeface="Montserrat"/>
                 <a:sym typeface="Montserrat"/>
               </a:rPr>
-              <a:t>eu</a:t>
+              <a:t>.</a:t>
             </a:r>
             <a:r>
               <a:rPr lang="en-US" sz="2000" b="0" i="0" u="none" strike="noStrike" cap="none" dirty="0">
@@ -7797,30 +7845,6 @@
                 <a:sym typeface="Montserrat"/>
               </a:rPr>
               <a:t> </a:t>
-            </a:r>
-            <a:r>
-              <a:rPr lang="en-US" sz="2000" b="0" i="0" u="none" strike="noStrike" cap="none" dirty="0" err="1">
-                <a:solidFill>
-                  <a:srgbClr val="0F3C5D"/>
-                </a:solidFill>
-                <a:latin typeface="Montserrat"/>
-                <a:ea typeface="Montserrat"/>
-                <a:cs typeface="Montserrat"/>
-                <a:sym typeface="Montserrat"/>
-              </a:rPr>
-              <a:t>acho</a:t>
-            </a:r>
-            <a:r>
-              <a:rPr lang="en-US" sz="2000" b="0" i="0" u="none" strike="noStrike" cap="none" dirty="0">
-                <a:solidFill>
-                  <a:srgbClr val="0F3C5D"/>
-                </a:solidFill>
-                <a:latin typeface="Montserrat"/>
-                <a:ea typeface="Montserrat"/>
-                <a:cs typeface="Montserrat"/>
-                <a:sym typeface="Montserrat"/>
-              </a:rPr>
-              <a:t>) </a:t>
             </a:r>
             <a:endParaRPr dirty="0"/>
           </a:p>
@@ -7941,6 +7965,18 @@
               <a:buNone/>
             </a:pPr>
             <a:r>
+              <a:rPr lang="en-US" sz="2000" dirty="0" err="1">
+                <a:solidFill>
+                  <a:srgbClr val="0F3C5D"/>
+                </a:solidFill>
+                <a:latin typeface="Montserrat"/>
+                <a:ea typeface="Montserrat"/>
+                <a:cs typeface="Montserrat"/>
+                <a:sym typeface="Montserrat"/>
+              </a:rPr>
+              <a:t>A</a:t>
+            </a:r>
+            <a:r>
               <a:rPr lang="en-US" sz="2000" b="0" i="0" u="none" strike="noStrike" cap="none" dirty="0" err="1">
                 <a:solidFill>
                   <a:srgbClr val="0F3C5D"/>
@@ -7950,7 +7986,7 @@
                 <a:cs typeface="Montserrat"/>
                 <a:sym typeface="Montserrat"/>
               </a:rPr>
-              <a:t>Blablabla</a:t>
+              <a:t>lunos</a:t>
             </a:r>
             <a:r>
               <a:rPr lang="en-US" sz="2000" b="0" i="0" u="none" strike="noStrike" cap="none" dirty="0">
@@ -10952,7 +10988,7 @@
               <a:t> </a:t>
             </a:r>
             <a:r>
-              <a:rPr lang="en-US" sz="2000" b="0" i="0" u="none" strike="noStrike" cap="none" dirty="0" err="1">
+              <a:rPr lang="en-US" sz="2000" dirty="0" err="1">
                 <a:solidFill>
                   <a:srgbClr val="0F3C5D"/>
                 </a:solidFill>
@@ -10961,7 +10997,7 @@
                 <a:cs typeface="Montserrat"/>
                 <a:sym typeface="Montserrat"/>
               </a:rPr>
-              <a:t>discreta</a:t>
+              <a:t>contínua</a:t>
             </a:r>
             <a:r>
               <a:rPr lang="en-US" sz="2000" b="0" i="0" u="none" strike="noStrike" cap="none" dirty="0">
